--- a/docs/Presentacion.pptx
+++ b/docs/Presentacion.pptx
@@ -4076,7 +4076,7 @@
                 <a16:creationId xmlns:a16="http://schemas.microsoft.com/office/drawing/2014/main" id="{2FDF0794-1B86-42B2-B8C7-F60123E638ED}"/>
               </a:ext>
               <a:ext uri="{C183D7F6-B498-43B3-948B-1728B52AA6E4}">
-                <adec:decorative xmlns="" xmlns:adec="http://schemas.microsoft.com/office/drawing/2017/decorative" val="1"/>
+                <adec:decorative xmlns:adec="http://schemas.microsoft.com/office/drawing/2017/decorative" xmlns="" val="1"/>
               </a:ext>
             </a:extLst>
           </p:cNvPr>
@@ -4203,7 +4203,7 @@
                 <a16:creationId xmlns:a16="http://schemas.microsoft.com/office/drawing/2014/main" id="{C5373426-E26E-431D-959C-5DB96C0B6208}"/>
               </a:ext>
               <a:ext uri="{C183D7F6-B498-43B3-948B-1728B52AA6E4}">
-                <adec:decorative xmlns="" xmlns:adec="http://schemas.microsoft.com/office/drawing/2017/decorative" val="1"/>
+                <adec:decorative xmlns:adec="http://schemas.microsoft.com/office/drawing/2017/decorative" xmlns="" val="1"/>
               </a:ext>
             </a:extLst>
           </p:cNvPr>
@@ -4412,7 +4412,7 @@
                 <a16:creationId xmlns:a16="http://schemas.microsoft.com/office/drawing/2014/main" id="{96D07482-83A3-4451-943C-B46961082957}"/>
               </a:ext>
               <a:ext uri="{C183D7F6-B498-43B3-948B-1728B52AA6E4}">
-                <adec:decorative xmlns="" xmlns:adec="http://schemas.microsoft.com/office/drawing/2017/decorative" val="1"/>
+                <adec:decorative xmlns:adec="http://schemas.microsoft.com/office/drawing/2017/decorative" xmlns="" val="1"/>
               </a:ext>
             </a:extLst>
           </p:cNvPr>
@@ -4464,7 +4464,7 @@
                 <a16:creationId xmlns:a16="http://schemas.microsoft.com/office/drawing/2014/main" id="{EDC90921-9082-491B-940E-827D679F3478}"/>
               </a:ext>
               <a:ext uri="{C183D7F6-B498-43B3-948B-1728B52AA6E4}">
-                <adec:decorative xmlns="" xmlns:adec="http://schemas.microsoft.com/office/drawing/2017/decorative" val="1"/>
+                <adec:decorative xmlns:adec="http://schemas.microsoft.com/office/drawing/2017/decorative" xmlns="" val="1"/>
               </a:ext>
             </a:extLst>
           </p:cNvPr>
@@ -4849,35 +4849,6 @@
       </p:sp>
       <p:pic>
         <p:nvPicPr>
-          <p:cNvPr id="5" name="Marcador de contenido 4" descr="Diagrama&#10;&#10;Descripción generada automáticamente">
-            <a:extLst>
-              <a:ext uri="{FF2B5EF4-FFF2-40B4-BE49-F238E27FC236}">
-                <a16:creationId xmlns:a16="http://schemas.microsoft.com/office/drawing/2014/main" id="{49B92234-C9C4-DC5B-0291-65C90FDC508F}"/>
-              </a:ext>
-            </a:extLst>
-          </p:cNvPr>
-          <p:cNvPicPr>
-            <a:picLocks noGrp="1" noChangeAspect="1"/>
-          </p:cNvPicPr>
-          <p:nvPr>
-            <p:ph idx="1"/>
-          </p:nvPr>
-        </p:nvPicPr>
-        <p:blipFill>
-          <a:blip r:embed="rId2"/>
-          <a:stretch>
-            <a:fillRect/>
-          </a:stretch>
-        </p:blipFill>
-        <p:spPr>
-          <a:xfrm>
-            <a:off x="4824079" y="974412"/>
-            <a:ext cx="7367921" cy="4678330"/>
-          </a:xfrm>
-        </p:spPr>
-      </p:pic>
-      <p:pic>
-        <p:nvPicPr>
           <p:cNvPr id="2050" name="Picture 2" descr="Data Model Icon #45490 - Free Icons Library">
             <a:extLst>
               <a:ext uri="{FF2B5EF4-FFF2-40B4-BE49-F238E27FC236}">
@@ -4891,7 +4862,7 @@
           <p:nvPr/>
         </p:nvPicPr>
         <p:blipFill>
-          <a:blip r:embed="rId3">
+          <a:blip r:embed="rId2">
             <a:extLst>
               <a:ext uri="{28A0092B-C50C-407E-A947-70E740481C1C}">
                 <a14:useLocalDpi xmlns:a14="http://schemas.microsoft.com/office/drawing/2010/main" val="0"/>
@@ -4921,6 +4892,39 @@
               </a14:hiddenFill>
             </a:ext>
           </a:extLst>
+        </p:spPr>
+      </p:pic>
+      <p:pic>
+        <p:nvPicPr>
+          <p:cNvPr id="6" name="Imagen 5" descr="C:\Users\david\Downloads\ModeloDimensional.png"/>
+          <p:cNvPicPr/>
+          <p:nvPr/>
+        </p:nvPicPr>
+        <p:blipFill>
+          <a:blip r:embed="rId3" cstate="print">
+            <a:extLst>
+              <a:ext uri="{28A0092B-C50C-407E-A947-70E740481C1C}">
+                <a14:useLocalDpi xmlns:a14="http://schemas.microsoft.com/office/drawing/2010/main" val="0"/>
+              </a:ext>
+            </a:extLst>
+          </a:blip>
+          <a:srcRect/>
+          <a:stretch>
+            <a:fillRect/>
+          </a:stretch>
+        </p:blipFill>
+        <p:spPr bwMode="auto">
+          <a:xfrm>
+            <a:off x="4976987" y="786383"/>
+            <a:ext cx="7023101" cy="5321173"/>
+          </a:xfrm>
+          <a:prstGeom prst="rect">
+            <a:avLst/>
+          </a:prstGeom>
+          <a:noFill/>
+          <a:ln>
+            <a:noFill/>
+          </a:ln>
         </p:spPr>
       </p:pic>
     </p:spTree>
@@ -6452,24 +6456,6 @@
 </file>
 
 <file path=customXml/item1.xml><?xml version="1.0" encoding="utf-8"?>
-<?mso-contentType ?>
-<FormTemplates xmlns="http://schemas.microsoft.com/sharepoint/v3/contenttype/forms">
-  <Display>DocumentLibraryForm</Display>
-  <Edit>DocumentLibraryForm</Edit>
-  <New>DocumentLibraryForm</New>
-</FormTemplates>
-</file>
-
-<file path=customXml/item2.xml><?xml version="1.0" encoding="utf-8"?>
-<p:properties xmlns:p="http://schemas.microsoft.com/office/2006/metadata/properties" xmlns:xsi="http://www.w3.org/2001/XMLSchema-instance" xmlns:pc="http://schemas.microsoft.com/office/infopath/2007/PartnerControls">
-  <documentManagement>
-    <Status xmlns="71af3243-3dd4-4a8d-8c0d-dd76da1f02a5">Not started</Status>
-    <MediaServiceKeyPoints xmlns="71af3243-3dd4-4a8d-8c0d-dd76da1f02a5" xsi:nil="true"/>
-  </documentManagement>
-</p:properties>
-</file>
-
-<file path=customXml/item3.xml><?xml version="1.0" encoding="utf-8"?>
 <ct:contentTypeSchema xmlns:ct="http://schemas.microsoft.com/office/2006/metadata/contentType" xmlns:ma="http://schemas.microsoft.com/office/2006/metadata/properties/metaAttributes" ct:_="" ma:_="" ma:contentTypeName="Document" ma:contentTypeID="0x01010079F111ED35F8CC479449609E8A0923A6" ma:contentTypeVersion="12" ma:contentTypeDescription="Create a new document." ma:contentTypeScope="" ma:versionID="a410dd7f93c95333ffa1b60ed6adedd1">
   <xsd:schema xmlns:xsd="http://www.w3.org/2001/XMLSchema" xmlns:xs="http://www.w3.org/2001/XMLSchema" xmlns:p="http://schemas.microsoft.com/office/2006/metadata/properties" xmlns:ns2="71af3243-3dd4-4a8d-8c0d-dd76da1f02a5" xmlns:ns3="16c05727-aa75-4e4a-9b5f-8a80a1165891" targetNamespace="http://schemas.microsoft.com/office/2006/metadata/properties" ma:root="true" ma:fieldsID="a936d9baba76aa3866493feff160faab" ns2:_="" ns3:_="">
     <xsd:import namespace="71af3243-3dd4-4a8d-8c0d-dd76da1f02a5"/>
@@ -6690,25 +6676,25 @@
 </ct:contentTypeSchema>
 </file>
 
-<file path=customXml/itemProps1.xml><?xml version="1.0" encoding="utf-8"?>
-<ds:datastoreItem xmlns:ds="http://schemas.openxmlformats.org/officeDocument/2006/customXml" ds:itemID="{AA3F7EDC-E5B4-4BBC-9D2A-CBE6D46C37AD}">
-  <ds:schemaRefs>
-    <ds:schemaRef ds:uri="http://schemas.microsoft.com/sharepoint/v3/contenttype/forms"/>
-  </ds:schemaRefs>
-</ds:datastoreItem>
+<file path=customXml/item2.xml><?xml version="1.0" encoding="utf-8"?>
+<p:properties xmlns:p="http://schemas.microsoft.com/office/2006/metadata/properties" xmlns:xsi="http://www.w3.org/2001/XMLSchema-instance" xmlns:pc="http://schemas.microsoft.com/office/infopath/2007/PartnerControls">
+  <documentManagement>
+    <Status xmlns="71af3243-3dd4-4a8d-8c0d-dd76da1f02a5">Not started</Status>
+    <MediaServiceKeyPoints xmlns="71af3243-3dd4-4a8d-8c0d-dd76da1f02a5" xsi:nil="true"/>
+  </documentManagement>
+</p:properties>
 </file>
 
-<file path=customXml/itemProps2.xml><?xml version="1.0" encoding="utf-8"?>
-<ds:datastoreItem xmlns:ds="http://schemas.openxmlformats.org/officeDocument/2006/customXml" ds:itemID="{A03EEFF0-FB57-4CB4-8BFC-DF397689E2ED}">
-  <ds:schemaRefs>
-    <ds:schemaRef ds:uri="http://schemas.microsoft.com/office/2006/metadata/properties"/>
-    <ds:schemaRef ds:uri="http://schemas.microsoft.com/office/infopath/2007/PartnerControls"/>
-    <ds:schemaRef ds:uri="71af3243-3dd4-4a8d-8c0d-dd76da1f02a5"/>
-  </ds:schemaRefs>
-</ds:datastoreItem>
+<file path=customXml/item3.xml><?xml version="1.0" encoding="utf-8"?>
+<?mso-contentType ?>
+<FormTemplates xmlns="http://schemas.microsoft.com/sharepoint/v3/contenttype/forms">
+  <Display>DocumentLibraryForm</Display>
+  <Edit>DocumentLibraryForm</Edit>
+  <New>DocumentLibraryForm</New>
+</FormTemplates>
 </file>
 
-<file path=customXml/itemProps3.xml><?xml version="1.0" encoding="utf-8"?>
+<file path=customXml/itemProps1.xml><?xml version="1.0" encoding="utf-8"?>
 <ds:datastoreItem xmlns:ds="http://schemas.openxmlformats.org/officeDocument/2006/customXml" ds:itemID="{93932EF5-314F-409E-8020-FEE5FA0795B9}">
   <ds:schemaRefs>
     <ds:schemaRef ds:uri="http://schemas.microsoft.com/office/2006/metadata/contentType"/>
@@ -6725,4 +6711,22 @@
     <ds:schemaRef ds:uri="http://schemas.microsoft.com/internal/obd"/>
   </ds:schemaRefs>
 </ds:datastoreItem>
+</file>
+
+<file path=customXml/itemProps2.xml><?xml version="1.0" encoding="utf-8"?>
+<ds:datastoreItem xmlns:ds="http://schemas.openxmlformats.org/officeDocument/2006/customXml" ds:itemID="{A03EEFF0-FB57-4CB4-8BFC-DF397689E2ED}">
+  <ds:schemaRefs>
+    <ds:schemaRef ds:uri="http://schemas.microsoft.com/office/2006/metadata/properties"/>
+    <ds:schemaRef ds:uri="http://schemas.microsoft.com/office/infopath/2007/PartnerControls"/>
+    <ds:schemaRef ds:uri="71af3243-3dd4-4a8d-8c0d-dd76da1f02a5"/>
+  </ds:schemaRefs>
+</ds:datastoreItem>
+</file>
+
+<file path=customXml/itemProps3.xml><?xml version="1.0" encoding="utf-8"?>
+<ds:datastoreItem xmlns:ds="http://schemas.openxmlformats.org/officeDocument/2006/customXml" ds:itemID="{AA3F7EDC-E5B4-4BBC-9D2A-CBE6D46C37AD}">
+  <ds:schemaRefs>
+    <ds:schemaRef ds:uri="http://schemas.microsoft.com/sharepoint/v3/contenttype/forms"/>
+  </ds:schemaRefs>
+</ds:datastoreItem>
 </file>